--- a/Number of cases to simulate for interaction.pptx
+++ b/Number of cases to simulate for interaction.pptx
@@ -267,7 +267,7 @@
           <a:p>
             <a:fld id="{A8CC4337-E08F-486E-8DC0-2A1466FF0D21}" type="datetimeFigureOut">
               <a:rPr lang="en-US" smtClean="0"/>
-              <a:t>26-May-22</a:t>
+              <a:t>30-May-22</a:t>
             </a:fld>
             <a:endParaRPr lang="en-US"/>
           </a:p>
@@ -465,7 +465,7 @@
           <a:p>
             <a:fld id="{A8CC4337-E08F-486E-8DC0-2A1466FF0D21}" type="datetimeFigureOut">
               <a:rPr lang="en-US" smtClean="0"/>
-              <a:t>26-May-22</a:t>
+              <a:t>30-May-22</a:t>
             </a:fld>
             <a:endParaRPr lang="en-US"/>
           </a:p>
@@ -673,7 +673,7 @@
           <a:p>
             <a:fld id="{A8CC4337-E08F-486E-8DC0-2A1466FF0D21}" type="datetimeFigureOut">
               <a:rPr lang="en-US" smtClean="0"/>
-              <a:t>26-May-22</a:t>
+              <a:t>30-May-22</a:t>
             </a:fld>
             <a:endParaRPr lang="en-US"/>
           </a:p>
@@ -1287,7 +1287,7 @@
           <a:p>
             <a:fld id="{A8CC4337-E08F-486E-8DC0-2A1466FF0D21}" type="datetimeFigureOut">
               <a:rPr lang="en-US" smtClean="0"/>
-              <a:t>26-May-22</a:t>
+              <a:t>30-May-22</a:t>
             </a:fld>
             <a:endParaRPr lang="en-US"/>
           </a:p>
@@ -1562,7 +1562,7 @@
           <a:p>
             <a:fld id="{A8CC4337-E08F-486E-8DC0-2A1466FF0D21}" type="datetimeFigureOut">
               <a:rPr lang="en-US" smtClean="0"/>
-              <a:t>26-May-22</a:t>
+              <a:t>30-May-22</a:t>
             </a:fld>
             <a:endParaRPr lang="en-US"/>
           </a:p>
@@ -1827,7 +1827,7 @@
           <a:p>
             <a:fld id="{A8CC4337-E08F-486E-8DC0-2A1466FF0D21}" type="datetimeFigureOut">
               <a:rPr lang="en-US" smtClean="0"/>
-              <a:t>26-May-22</a:t>
+              <a:t>30-May-22</a:t>
             </a:fld>
             <a:endParaRPr lang="en-US"/>
           </a:p>
@@ -2239,7 +2239,7 @@
           <a:p>
             <a:fld id="{A8CC4337-E08F-486E-8DC0-2A1466FF0D21}" type="datetimeFigureOut">
               <a:rPr lang="en-US" smtClean="0"/>
-              <a:t>26-May-22</a:t>
+              <a:t>30-May-22</a:t>
             </a:fld>
             <a:endParaRPr lang="en-US"/>
           </a:p>
@@ -2380,7 +2380,7 @@
           <a:p>
             <a:fld id="{A8CC4337-E08F-486E-8DC0-2A1466FF0D21}" type="datetimeFigureOut">
               <a:rPr lang="en-US" smtClean="0"/>
-              <a:t>26-May-22</a:t>
+              <a:t>30-May-22</a:t>
             </a:fld>
             <a:endParaRPr lang="en-US"/>
           </a:p>
@@ -2493,7 +2493,7 @@
           <a:p>
             <a:fld id="{A8CC4337-E08F-486E-8DC0-2A1466FF0D21}" type="datetimeFigureOut">
               <a:rPr lang="en-US" smtClean="0"/>
-              <a:t>26-May-22</a:t>
+              <a:t>30-May-22</a:t>
             </a:fld>
             <a:endParaRPr lang="en-US"/>
           </a:p>
@@ -2804,7 +2804,7 @@
           <a:p>
             <a:fld id="{A8CC4337-E08F-486E-8DC0-2A1466FF0D21}" type="datetimeFigureOut">
               <a:rPr lang="en-US" smtClean="0"/>
-              <a:t>26-May-22</a:t>
+              <a:t>30-May-22</a:t>
             </a:fld>
             <a:endParaRPr lang="en-US"/>
           </a:p>
@@ -3092,7 +3092,7 @@
           <a:p>
             <a:fld id="{A8CC4337-E08F-486E-8DC0-2A1466FF0D21}" type="datetimeFigureOut">
               <a:rPr lang="en-US" smtClean="0"/>
-              <a:t>26-May-22</a:t>
+              <a:t>30-May-22</a:t>
             </a:fld>
             <a:endParaRPr lang="en-US"/>
           </a:p>
@@ -3333,7 +3333,7 @@
           <a:p>
             <a:fld id="{A8CC4337-E08F-486E-8DC0-2A1466FF0D21}" type="datetimeFigureOut">
               <a:rPr lang="en-US" smtClean="0"/>
-              <a:t>26-May-22</a:t>
+              <a:t>30-May-22</a:t>
             </a:fld>
             <a:endParaRPr lang="en-US"/>
           </a:p>
